--- a/Python Day 7 Functions.pptx
+++ b/Python Day 7 Functions.pptx
@@ -27525,7 +27525,7 @@
           <a:p>
             <a:fld id="{441504DD-C298-447F-98F0-B2DFACE9D49B}" type="datetimeFigureOut">
               <a:rPr lang="en-US" smtClean="0"/>
-              <a:t>4/13/2018</a:t>
+              <a:t>4/14/2018</a:t>
             </a:fld>
             <a:endParaRPr lang="en-US"/>
           </a:p>
@@ -29395,7 +29395,7 @@
           <a:p>
             <a:fld id="{A76EB9D5-7E1A-4433-8B21-2237CC26FA2C}" type="datetimeFigureOut">
               <a:rPr lang="en-US" dirty="0"/>
-              <a:t>4/13/2018</a:t>
+              <a:t>4/14/2018</a:t>
             </a:fld>
             <a:endParaRPr lang="en-US" dirty="0"/>
           </a:p>
@@ -29593,7 +29593,7 @@
           <a:p>
             <a:fld id="{62598A19-B9D6-4696-A74D-9FEF900C8B6A}" type="datetimeFigureOut">
               <a:rPr lang="en-US" dirty="0"/>
-              <a:t>4/13/2018</a:t>
+              <a:t>4/14/2018</a:t>
             </a:fld>
             <a:endParaRPr lang="en-US" dirty="0"/>
           </a:p>
@@ -29768,7 +29768,7 @@
           <a:p>
             <a:fld id="{9A205100-39B0-4914-BBD6-34F267582565}" type="datetimeFigureOut">
               <a:rPr lang="en-US" dirty="0"/>
-              <a:t>4/13/2018</a:t>
+              <a:t>4/14/2018</a:t>
             </a:fld>
             <a:endParaRPr lang="en-US" dirty="0"/>
           </a:p>
@@ -29933,7 +29933,7 @@
           <a:p>
             <a:fld id="{539EF837-FEDB-44F2-8FB5-4F56FC548A33}" type="datetimeFigureOut">
               <a:rPr lang="en-US" dirty="0"/>
-              <a:t>4/13/2018</a:t>
+              <a:t>4/14/2018</a:t>
             </a:fld>
             <a:endParaRPr lang="en-US" dirty="0"/>
           </a:p>
@@ -30508,7 +30508,7 @@
           <a:p>
             <a:fld id="{4EC2AB55-62C0-407E-B706-C907B44B0BFC}" type="datetimeFigureOut">
               <a:rPr lang="en-US" dirty="0"/>
-              <a:t>4/13/2018</a:t>
+              <a:t>4/14/2018</a:t>
             </a:fld>
             <a:endParaRPr lang="en-US" dirty="0"/>
           </a:p>
@@ -30805,7 +30805,7 @@
           <a:p>
             <a:fld id="{69FBB33F-FEF5-4E73-A5F9-307689FE77C6}" type="datetimeFigureOut">
               <a:rPr lang="en-US" dirty="0"/>
-              <a:t>4/13/2018</a:t>
+              <a:t>4/14/2018</a:t>
             </a:fld>
             <a:endParaRPr lang="en-US" dirty="0"/>
           </a:p>
@@ -31237,7 +31237,7 @@
           <a:p>
             <a:fld id="{A64B5FA4-F0B8-4D71-BC92-932E3A1502F8}" type="datetimeFigureOut">
               <a:rPr lang="en-US" dirty="0"/>
-              <a:t>4/13/2018</a:t>
+              <a:t>4/14/2018</a:t>
             </a:fld>
             <a:endParaRPr lang="en-US" dirty="0"/>
           </a:p>
@@ -31350,7 +31350,7 @@
           <a:p>
             <a:fld id="{4FD89F80-C2CE-4D6A-80E4-D3515AD92BC6}" type="datetimeFigureOut">
               <a:rPr lang="en-US" dirty="0"/>
-              <a:t>4/13/2018</a:t>
+              <a:t>4/14/2018</a:t>
             </a:fld>
             <a:endParaRPr lang="en-US" dirty="0"/>
           </a:p>
@@ -31440,7 +31440,7 @@
           <a:p>
             <a:fld id="{03E4220E-EF40-477E-B84C-637FC7CE78DB}" type="datetimeFigureOut">
               <a:rPr lang="en-US" dirty="0"/>
-              <a:t>4/13/2018</a:t>
+              <a:t>4/14/2018</a:t>
             </a:fld>
             <a:endParaRPr lang="en-US" dirty="0"/>
           </a:p>
@@ -31779,7 +31779,7 @@
           <a:p>
             <a:fld id="{FD0B8D63-E026-4E54-B301-C824E1BD14F3}" type="datetimeFigureOut">
               <a:rPr lang="en-US" dirty="0"/>
-              <a:t>4/13/2018</a:t>
+              <a:t>4/14/2018</a:t>
             </a:fld>
             <a:endParaRPr lang="en-US" dirty="0"/>
           </a:p>
@@ -32164,7 +32164,7 @@
           <a:p>
             <a:fld id="{6C423185-9573-406A-8068-0AB4F2335019}" type="datetimeFigureOut">
               <a:rPr lang="en-US" dirty="0"/>
-              <a:t>4/13/2018</a:t>
+              <a:t>4/14/2018</a:t>
             </a:fld>
             <a:endParaRPr lang="en-US" dirty="0"/>
           </a:p>
@@ -32468,7 +32468,7 @@
           <a:p>
             <a:fld id="{6C5516DA-9D86-4E1E-A623-C11F9F74EB59}" type="datetimeFigureOut">
               <a:rPr lang="en-US" dirty="0"/>
-              <a:t>4/13/2018</a:t>
+              <a:t>4/14/2018</a:t>
             </a:fld>
             <a:endParaRPr lang="en-US" dirty="0"/>
           </a:p>
@@ -39307,7 +39307,7 @@
       </p:grpSpPr>
       <p:sp>
         <p:nvSpPr>
-          <p:cNvPr id="65" name="Rectangle 33">
+          <p:cNvPr id="81" name="Rectangle 80">
             <a:extLst>
               <a:ext uri="{FF2B5EF4-FFF2-40B4-BE49-F238E27FC236}">
                 <a16:creationId xmlns:a16="http://schemas.microsoft.com/office/drawing/2014/main" id="{763F366B-15A4-4C34-A8FB-1463187F4D1C}"/>
@@ -39370,7 +39370,7 @@
       </p:sp>
       <p:sp>
         <p:nvSpPr>
-          <p:cNvPr id="66" name="Rectangle 35">
+          <p:cNvPr id="83" name="Rectangle 82">
             <a:extLst>
               <a:ext uri="{FF2B5EF4-FFF2-40B4-BE49-F238E27FC236}">
                 <a16:creationId xmlns:a16="http://schemas.microsoft.com/office/drawing/2014/main" id="{2F0CDF20-D900-4EA0-BBC1-75DD29E35ED3}"/>
@@ -39415,7 +39415,7 @@
       </p:sp>
       <p:sp>
         <p:nvSpPr>
-          <p:cNvPr id="67" name="Rectangle 37">
+          <p:cNvPr id="85" name="Rectangle 84">
             <a:extLst>
               <a:ext uri="{FF2B5EF4-FFF2-40B4-BE49-F238E27FC236}">
                 <a16:creationId xmlns:a16="http://schemas.microsoft.com/office/drawing/2014/main" id="{145BD72F-5873-414C-BAFE-3DB037286A85}"/>
@@ -39457,7 +39457,7 @@
       </p:sp>
       <p:sp>
         <p:nvSpPr>
-          <p:cNvPr id="68" name="Rectangle 39">
+          <p:cNvPr id="87" name="Rectangle 86">
             <a:extLst>
               <a:ext uri="{FF2B5EF4-FFF2-40B4-BE49-F238E27FC236}">
                 <a16:creationId xmlns:a16="http://schemas.microsoft.com/office/drawing/2014/main" id="{73336A80-D3E7-4B14-9422-4FCC01CD1750}"/>
@@ -39509,7 +39509,7 @@
       </p:sp>
       <p:grpSp>
         <p:nvGrpSpPr>
-          <p:cNvPr id="69" name="Group 41">
+          <p:cNvPr id="89" name="Group 88">
             <a:extLst>
               <a:ext uri="{FF2B5EF4-FFF2-40B4-BE49-F238E27FC236}">
                 <a16:creationId xmlns:a16="http://schemas.microsoft.com/office/drawing/2014/main" id="{9C09B750-AF4C-4ED6-BD57-8F5419B2A2B5}"/>
@@ -39537,7 +39537,7 @@
         </p:grpSpPr>
         <p:cxnSp>
           <p:nvCxnSpPr>
-            <p:cNvPr id="43" name="Straight Connector 42">
+            <p:cNvPr id="90" name="Straight Connector 89">
               <a:extLst>
                 <a:ext uri="{FF2B5EF4-FFF2-40B4-BE49-F238E27FC236}">
                   <a16:creationId xmlns:a16="http://schemas.microsoft.com/office/drawing/2014/main" id="{405D7054-5C69-4968-8A58-0AE7AA62444F}"/>
@@ -39594,7 +39594,7 @@
         </p:cxnSp>
         <p:cxnSp>
           <p:nvCxnSpPr>
-            <p:cNvPr id="44" name="Straight Connector 43">
+            <p:cNvPr id="91" name="Straight Connector 90">
               <a:extLst>
                 <a:ext uri="{FF2B5EF4-FFF2-40B4-BE49-F238E27FC236}">
                   <a16:creationId xmlns:a16="http://schemas.microsoft.com/office/drawing/2014/main" id="{51DC8DEF-D249-4084-B3FF-AD663E222CF2}"/>
@@ -39651,7 +39651,7 @@
         </p:cxnSp>
         <p:cxnSp>
           <p:nvCxnSpPr>
-            <p:cNvPr id="45" name="Straight Connector 44">
+            <p:cNvPr id="92" name="Straight Connector 91">
               <a:extLst>
                 <a:ext uri="{FF2B5EF4-FFF2-40B4-BE49-F238E27FC236}">
                   <a16:creationId xmlns:a16="http://schemas.microsoft.com/office/drawing/2014/main" id="{36221F23-9E38-4D0D-9EAA-D61A2863EFDF}"/>
@@ -39709,7 +39709,7 @@
       </p:grpSp>
       <p:sp>
         <p:nvSpPr>
-          <p:cNvPr id="70" name="Rectangle 46">
+          <p:cNvPr id="94" name="Rectangle 93">
             <a:extLst>
               <a:ext uri="{FF2B5EF4-FFF2-40B4-BE49-F238E27FC236}">
                 <a16:creationId xmlns:a16="http://schemas.microsoft.com/office/drawing/2014/main" id="{E2ADD2F6-F7FC-464F-8F18-5BDBD27A732F}"/>
@@ -39769,7 +39769,7 @@
       </p:sp>
       <p:sp>
         <p:nvSpPr>
-          <p:cNvPr id="71" name="Rectangle 48">
+          <p:cNvPr id="96" name="Rectangle 95">
             <a:extLst>
               <a:ext uri="{FF2B5EF4-FFF2-40B4-BE49-F238E27FC236}">
                 <a16:creationId xmlns:a16="http://schemas.microsoft.com/office/drawing/2014/main" id="{5A3A31F1-FA83-497F-98FF-9A5621DC5560}"/>
@@ -39829,10 +39829,10 @@
       </p:sp>
       <p:pic>
         <p:nvPicPr>
-          <p:cNvPr id="5" name="Picture 4">
+          <p:cNvPr id="3" name="Picture 2">
             <a:extLst>
               <a:ext uri="{FF2B5EF4-FFF2-40B4-BE49-F238E27FC236}">
-                <a16:creationId xmlns:a16="http://schemas.microsoft.com/office/drawing/2014/main" id="{75FC7B8C-D4B3-41D7-809A-6F1522EA9D6E}"/>
+                <a16:creationId xmlns:a16="http://schemas.microsoft.com/office/drawing/2014/main" id="{387B0CBA-73FF-4F61-9D1B-5ED785FBB5D2}"/>
               </a:ext>
             </a:extLst>
           </p:cNvPr>
@@ -39849,8 +39849,8 @@
         </p:blipFill>
         <p:spPr>
           <a:xfrm>
-            <a:off x="643192" y="1295931"/>
-            <a:ext cx="6909386" cy="4258246"/>
+            <a:off x="643192" y="2118863"/>
+            <a:ext cx="6909386" cy="2612382"/>
           </a:xfrm>
           <a:prstGeom prst="rect">
             <a:avLst/>
@@ -39859,7 +39859,7 @@
       </p:pic>
       <p:sp>
         <p:nvSpPr>
-          <p:cNvPr id="72" name="Rectangle 50">
+          <p:cNvPr id="98" name="Rectangle 97">
             <a:extLst>
               <a:ext uri="{FF2B5EF4-FFF2-40B4-BE49-F238E27FC236}">
                 <a16:creationId xmlns:a16="http://schemas.microsoft.com/office/drawing/2014/main" id="{343FF9E2-8F7E-4BCC-9A50-C41AD8A56DD9}"/>
@@ -39922,7 +39922,7 @@
       </p:sp>
       <p:sp>
         <p:nvSpPr>
-          <p:cNvPr id="73" name="Rectangle 52">
+          <p:cNvPr id="100" name="Rectangle 99">
             <a:extLst>
               <a:ext uri="{FF2B5EF4-FFF2-40B4-BE49-F238E27FC236}">
                 <a16:creationId xmlns:a16="http://schemas.microsoft.com/office/drawing/2014/main" id="{47751BC8-250F-493B-BDF9-D45BA5991D8A}"/>
@@ -39974,7 +39974,7 @@
       </p:sp>
       <p:cxnSp>
         <p:nvCxnSpPr>
-          <p:cNvPr id="74" name="Straight Connector 54">
+          <p:cNvPr id="102" name="Straight Connector 101">
             <a:extLst>
               <a:ext uri="{FF2B5EF4-FFF2-40B4-BE49-F238E27FC236}">
                 <a16:creationId xmlns:a16="http://schemas.microsoft.com/office/drawing/2014/main" id="{BF0F044C-8394-47CB-8E3D-FA56B0693961}"/>
@@ -40033,7 +40033,7 @@
       </p:cxnSp>
       <p:cxnSp>
         <p:nvCxnSpPr>
-          <p:cNvPr id="75" name="Straight Connector 56">
+          <p:cNvPr id="104" name="Straight Connector 103">
             <a:extLst>
               <a:ext uri="{FF2B5EF4-FFF2-40B4-BE49-F238E27FC236}">
                 <a16:creationId xmlns:a16="http://schemas.microsoft.com/office/drawing/2014/main" id="{6B2DCD75-B707-4C51-8ADC-813834C09A87}"/>
@@ -40092,7 +40092,7 @@
       </p:cxnSp>
       <p:cxnSp>
         <p:nvCxnSpPr>
-          <p:cNvPr id="76" name="Straight Connector 58">
+          <p:cNvPr id="106" name="Straight Connector 105">
             <a:extLst>
               <a:ext uri="{FF2B5EF4-FFF2-40B4-BE49-F238E27FC236}">
                 <a16:creationId xmlns:a16="http://schemas.microsoft.com/office/drawing/2014/main" id="{F4851414-8BB1-42EF-912B-608FCE07B247}"/>
@@ -41541,7 +41541,7 @@
             </a:br>
             <a:r>
               <a:rPr lang="en-US" dirty="0"/>
-              <a:t>name():</a:t>
+              <a:t>name()</a:t>
             </a:r>
           </a:p>
         </p:txBody>
